--- a/20180401_Laravel_Introduction_v1.0.pptx
+++ b/20180401_Laravel_Introduction_v1.0.pptx
@@ -5,7 +5,7 @@
     <p:sldMasterId id="2147483858" r:id="rId1"/>
   </p:sldMasterIdLst>
   <p:notesMasterIdLst>
-    <p:notesMasterId r:id="rId27"/>
+    <p:notesMasterId r:id="rId28"/>
   </p:notesMasterIdLst>
   <p:sldIdLst>
     <p:sldId id="256" r:id="rId2"/>
@@ -32,7 +32,8 @@
     <p:sldId id="265" r:id="rId23"/>
     <p:sldId id="278" r:id="rId24"/>
     <p:sldId id="279" r:id="rId25"/>
-    <p:sldId id="281" r:id="rId26"/>
+    <p:sldId id="282" r:id="rId26"/>
+    <p:sldId id="281" r:id="rId27"/>
   </p:sldIdLst>
   <p:sldSz cx="12192000" cy="6858000"/>
   <p:notesSz cx="6858000" cy="9144000"/>
@@ -6888,7 +6889,7 @@
       </p:grpSpPr>
       <p:sp>
         <p:nvSpPr>
-          <p:cNvPr id="2" name="Title 1"/>
+          <p:cNvPr id="5" name="Title 4"/>
           <p:cNvSpPr>
             <a:spLocks noGrp="1"/>
           </p:cNvSpPr>
@@ -6901,18 +6902,21 @@
           <a:bodyPr/>
           <a:lstStyle/>
           <a:p>
-            <a:endParaRPr lang="en-US"/>
-          </a:p>
-        </p:txBody>
-      </p:sp>
-      <p:sp>
-        <p:nvSpPr>
-          <p:cNvPr id="3" name="Content Placeholder 2"/>
+            <a:r>
+              <a:rPr lang="en-US"/>
+              <a:t>What’s next?</a:t>
+            </a:r>
+          </a:p>
+        </p:txBody>
+      </p:sp>
+      <p:sp>
+        <p:nvSpPr>
+          <p:cNvPr id="6" name="Content Placeholder 5"/>
           <p:cNvSpPr>
             <a:spLocks noGrp="1"/>
           </p:cNvSpPr>
           <p:nvPr>
-            <p:ph sz="half" idx="1"/>
+            <p:ph idx="1"/>
           </p:nvPr>
         </p:nvSpPr>
         <p:spPr/>
@@ -6920,26 +6924,192 @@
           <a:bodyPr/>
           <a:lstStyle/>
           <a:p>
+            <a:r>
+              <a:rPr lang="en-US"/>
+              <a:t>Download this slides from</a:t>
+            </a:r>
+          </a:p>
+          <a:p>
+            <a:pPr marL="762000" lvl="2" indent="0">
+              <a:buNone/>
+            </a:pPr>
+            <a:r>
+              <a:rPr lang="en-US" sz="3200"/>
+              <a:t>https://github.com/kometsoft/laravel-introduction</a:t>
+            </a:r>
             <a:endParaRPr lang="en-US"/>
           </a:p>
-        </p:txBody>
-      </p:sp>
-      <p:sp>
-        <p:nvSpPr>
-          <p:cNvPr id="4" name="Content Placeholder 3"/>
-          <p:cNvSpPr>
-            <a:spLocks noGrp="1"/>
-          </p:cNvSpPr>
-          <p:nvPr>
-            <p:ph sz="half" idx="2"/>
-          </p:nvPr>
-        </p:nvSpPr>
-        <p:spPr/>
-        <p:txBody>
-          <a:bodyPr/>
+          <a:p>
+            <a:endParaRPr lang="en-US"/>
+          </a:p>
+          <a:p>
+            <a:r>
+              <a:rPr lang="en-US"/>
+              <a:t>Complete survey form</a:t>
+            </a:r>
+          </a:p>
+          <a:p>
+            <a:pPr lvl="1"/>
+            <a:r>
+              <a:rPr lang="en-US"/>
+              <a:t>Receive free gift</a:t>
+            </a:r>
+          </a:p>
+          <a:p>
+            <a:pPr lvl="1"/>
+            <a:endParaRPr lang="en-US"/>
+          </a:p>
+          <a:p>
+            <a:r>
+              <a:rPr lang="en-US"/>
+              <a:t>Contact us for your Laravel projects</a:t>
+            </a:r>
+          </a:p>
+          <a:p>
+            <a:pPr marL="0" indent="0">
+              <a:buNone/>
+            </a:pPr>
+            <a:r>
+              <a:rPr lang="en-US"/>
+              <a:t>	info@kometsoft.com.my</a:t>
+            </a:r>
+          </a:p>
+          <a:p>
+            <a:endParaRPr lang="en-US"/>
+          </a:p>
+          <a:p>
+            <a:endParaRPr lang="en-US"/>
+          </a:p>
+        </p:txBody>
+      </p:sp>
+    </p:spTree>
+    <p:extLst>
+      <p:ext uri="{BB962C8B-B14F-4D97-AF65-F5344CB8AC3E}">
+        <p14:creationId xmlns:p14="http://schemas.microsoft.com/office/powerpoint/2010/main" val="1341423168"/>
+      </p:ext>
+    </p:extLst>
+  </p:cSld>
+  <p:clrMapOvr>
+    <a:masterClrMapping/>
+  </p:clrMapOvr>
+</p:sld>
+</file>
+
+<file path=ppt/slides/slide26.xml><?xml version="1.0" encoding="utf-8"?>
+<p:sld xmlns:a="http://schemas.openxmlformats.org/drawingml/2006/main" xmlns:r="http://schemas.openxmlformats.org/officeDocument/2006/relationships" xmlns:p="http://schemas.openxmlformats.org/presentationml/2006/main">
+  <p:cSld>
+    <p:spTree>
+      <p:nvGrpSpPr>
+        <p:cNvPr id="1" name=""/>
+        <p:cNvGrpSpPr/>
+        <p:nvPr/>
+      </p:nvGrpSpPr>
+      <p:grpSpPr>
+        <a:xfrm>
+          <a:off x="0" y="0"/>
+          <a:ext cx="0" cy="0"/>
+          <a:chOff x="0" y="0"/>
+          <a:chExt cx="0" cy="0"/>
+        </a:xfrm>
+      </p:grpSpPr>
+      <p:sp>
+        <p:nvSpPr>
+          <p:cNvPr id="8" name="TextBox 7"/>
+          <p:cNvSpPr txBox="1"/>
+          <p:nvPr/>
+        </p:nvSpPr>
+        <p:spPr>
+          <a:xfrm>
+            <a:off x="833378" y="1238490"/>
+            <a:ext cx="10648709" cy="4616648"/>
+          </a:xfrm>
+          <a:prstGeom prst="rect">
+            <a:avLst/>
+          </a:prstGeom>
+          <a:noFill/>
+        </p:spPr>
+        <p:txBody>
+          <a:bodyPr wrap="square" rtlCol="0">
+            <a:spAutoFit/>
+          </a:bodyPr>
           <a:lstStyle/>
           <a:p>
-            <a:endParaRPr lang="en-US"/>
+            <a:pPr algn="ctr"/>
+            <a:r>
+              <a:rPr lang="en-US" sz="5400">
+                <a:solidFill>
+                  <a:srgbClr val="FFFFFF"/>
+                </a:solidFill>
+                <a:latin typeface="Calibri" charset="0"/>
+                <a:ea typeface="Calibri" charset="0"/>
+                <a:cs typeface="Calibri" charset="0"/>
+              </a:rPr>
+              <a:t>Let’s begin the Laravel journey!</a:t>
+            </a:r>
+          </a:p>
+          <a:p>
+            <a:pPr algn="ctr"/>
+            <a:endParaRPr lang="en-US" sz="5400">
+              <a:solidFill>
+                <a:srgbClr val="FFFFFF"/>
+              </a:solidFill>
+              <a:latin typeface="Calibri" charset="0"/>
+              <a:ea typeface="Calibri" charset="0"/>
+              <a:cs typeface="Calibri" charset="0"/>
+            </a:endParaRPr>
+          </a:p>
+          <a:p>
+            <a:pPr algn="ctr"/>
+            <a:endParaRPr lang="en-US" sz="5400">
+              <a:solidFill>
+                <a:srgbClr val="FFFFFF"/>
+              </a:solidFill>
+              <a:latin typeface="Calibri" charset="0"/>
+              <a:ea typeface="Calibri" charset="0"/>
+              <a:cs typeface="Calibri" charset="0"/>
+            </a:endParaRPr>
+          </a:p>
+          <a:p>
+            <a:pPr algn="ctr"/>
+            <a:r>
+              <a:rPr lang="en-US" sz="4400">
+                <a:solidFill>
+                  <a:srgbClr val="FFFFFF"/>
+                </a:solidFill>
+                <a:latin typeface="Calibri" charset="0"/>
+                <a:ea typeface="Calibri" charset="0"/>
+                <a:cs typeface="Calibri" charset="0"/>
+              </a:rPr>
+              <a:t>Khairul Amri Yunus</a:t>
+            </a:r>
+          </a:p>
+          <a:p>
+            <a:pPr algn="ctr"/>
+            <a:r>
+              <a:rPr lang="en-US" sz="4400">
+                <a:solidFill>
+                  <a:srgbClr val="FFFFFF"/>
+                </a:solidFill>
+                <a:latin typeface="Calibri" charset="0"/>
+                <a:ea typeface="Calibri" charset="0"/>
+                <a:cs typeface="Calibri" charset="0"/>
+              </a:rPr>
+              <a:t>amri@kometsoft.com.my</a:t>
+            </a:r>
+          </a:p>
+          <a:p>
+            <a:pPr algn="ctr"/>
+            <a:r>
+              <a:rPr lang="en-US" sz="4400">
+                <a:solidFill>
+                  <a:srgbClr val="FFFFFF"/>
+                </a:solidFill>
+                <a:latin typeface="Calibri" charset="0"/>
+                <a:ea typeface="Calibri" charset="0"/>
+                <a:cs typeface="Calibri" charset="0"/>
+              </a:rPr>
+              <a:t>www.Kometsoft.com.my</a:t>
+            </a:r>
           </a:p>
         </p:txBody>
       </p:sp>
